--- a/Дипломная работа (Зверев Н.Д.).pptx
+++ b/Дипломная работа (Зверев Н.Д.).pptx
@@ -208,7 +208,7 @@
           <a:p>
             <a:fld id="{778B78F5-6B75-42D1-B039-9496EDD5EB29}" type="datetimeFigureOut">
               <a:rPr lang="ru-RU" smtClean="0"/>
-              <a:t>16.06.2024</a:t>
+              <a:t>18.06.2024</a:t>
             </a:fld>
             <a:endParaRPr lang="ru-RU"/>
           </a:p>
@@ -709,7 +709,7 @@
           <a:p>
             <a:fld id="{DD6FEE7D-2E0A-48F7-A468-4D6A175959D4}" type="datetimeFigureOut">
               <a:rPr lang="ru-RU" smtClean="0"/>
-              <a:t>16.06.2024</a:t>
+              <a:t>18.06.2024</a:t>
             </a:fld>
             <a:endParaRPr lang="ru-RU"/>
           </a:p>
@@ -907,7 +907,7 @@
           <a:p>
             <a:fld id="{DD6FEE7D-2E0A-48F7-A468-4D6A175959D4}" type="datetimeFigureOut">
               <a:rPr lang="ru-RU" smtClean="0"/>
-              <a:t>16.06.2024</a:t>
+              <a:t>18.06.2024</a:t>
             </a:fld>
             <a:endParaRPr lang="ru-RU"/>
           </a:p>
@@ -1115,7 +1115,7 @@
           <a:p>
             <a:fld id="{DD6FEE7D-2E0A-48F7-A468-4D6A175959D4}" type="datetimeFigureOut">
               <a:rPr lang="ru-RU" smtClean="0"/>
-              <a:t>16.06.2024</a:t>
+              <a:t>18.06.2024</a:t>
             </a:fld>
             <a:endParaRPr lang="ru-RU"/>
           </a:p>
@@ -1313,7 +1313,7 @@
           <a:p>
             <a:fld id="{DD6FEE7D-2E0A-48F7-A468-4D6A175959D4}" type="datetimeFigureOut">
               <a:rPr lang="ru-RU" smtClean="0"/>
-              <a:t>16.06.2024</a:t>
+              <a:t>18.06.2024</a:t>
             </a:fld>
             <a:endParaRPr lang="ru-RU"/>
           </a:p>
@@ -1588,7 +1588,7 @@
           <a:p>
             <a:fld id="{DD6FEE7D-2E0A-48F7-A468-4D6A175959D4}" type="datetimeFigureOut">
               <a:rPr lang="ru-RU" smtClean="0"/>
-              <a:t>16.06.2024</a:t>
+              <a:t>18.06.2024</a:t>
             </a:fld>
             <a:endParaRPr lang="ru-RU"/>
           </a:p>
@@ -1853,7 +1853,7 @@
           <a:p>
             <a:fld id="{DD6FEE7D-2E0A-48F7-A468-4D6A175959D4}" type="datetimeFigureOut">
               <a:rPr lang="ru-RU" smtClean="0"/>
-              <a:t>16.06.2024</a:t>
+              <a:t>18.06.2024</a:t>
             </a:fld>
             <a:endParaRPr lang="ru-RU"/>
           </a:p>
@@ -2265,7 +2265,7 @@
           <a:p>
             <a:fld id="{DD6FEE7D-2E0A-48F7-A468-4D6A175959D4}" type="datetimeFigureOut">
               <a:rPr lang="ru-RU" smtClean="0"/>
-              <a:t>16.06.2024</a:t>
+              <a:t>18.06.2024</a:t>
             </a:fld>
             <a:endParaRPr lang="ru-RU"/>
           </a:p>
@@ -2406,7 +2406,7 @@
           <a:p>
             <a:fld id="{DD6FEE7D-2E0A-48F7-A468-4D6A175959D4}" type="datetimeFigureOut">
               <a:rPr lang="ru-RU" smtClean="0"/>
-              <a:t>16.06.2024</a:t>
+              <a:t>18.06.2024</a:t>
             </a:fld>
             <a:endParaRPr lang="ru-RU"/>
           </a:p>
@@ -2519,7 +2519,7 @@
           <a:p>
             <a:fld id="{DD6FEE7D-2E0A-48F7-A468-4D6A175959D4}" type="datetimeFigureOut">
               <a:rPr lang="ru-RU" smtClean="0"/>
-              <a:t>16.06.2024</a:t>
+              <a:t>18.06.2024</a:t>
             </a:fld>
             <a:endParaRPr lang="ru-RU"/>
           </a:p>
@@ -2830,7 +2830,7 @@
           <a:p>
             <a:fld id="{DD6FEE7D-2E0A-48F7-A468-4D6A175959D4}" type="datetimeFigureOut">
               <a:rPr lang="ru-RU" smtClean="0"/>
-              <a:t>16.06.2024</a:t>
+              <a:t>18.06.2024</a:t>
             </a:fld>
             <a:endParaRPr lang="ru-RU"/>
           </a:p>
@@ -3118,7 +3118,7 @@
           <a:p>
             <a:fld id="{DD6FEE7D-2E0A-48F7-A468-4D6A175959D4}" type="datetimeFigureOut">
               <a:rPr lang="ru-RU" smtClean="0"/>
-              <a:t>16.06.2024</a:t>
+              <a:t>18.06.2024</a:t>
             </a:fld>
             <a:endParaRPr lang="ru-RU"/>
           </a:p>
@@ -3359,7 +3359,7 @@
           <a:p>
             <a:fld id="{DD6FEE7D-2E0A-48F7-A468-4D6A175959D4}" type="datetimeFigureOut">
               <a:rPr lang="ru-RU" smtClean="0"/>
-              <a:t>16.06.2024</a:t>
+              <a:t>18.06.2024</a:t>
             </a:fld>
             <a:endParaRPr lang="ru-RU"/>
           </a:p>
@@ -3915,30 +3915,6 @@
                 <a:cs typeface="Times New Roman" panose="02020603050405020304" pitchFamily="18" charset="0"/>
               </a:rPr>
               <a:t>Зверев Никита Денисович</a:t>
-            </a:r>
-          </a:p>
-          <a:p>
-            <a:pPr algn="r"/>
-            <a:r>
-              <a:rPr lang="ru-RU" sz="1800" dirty="0">
-                <a:latin typeface="Times New Roman" panose="02020603050405020304" pitchFamily="18" charset="0"/>
-                <a:cs typeface="Times New Roman" panose="02020603050405020304" pitchFamily="18" charset="0"/>
-              </a:rPr>
-              <a:t>Руководитель</a:t>
-            </a:r>
-            <a:r>
-              <a:rPr lang="en-US" sz="1800" dirty="0">
-                <a:latin typeface="Times New Roman" panose="02020603050405020304" pitchFamily="18" charset="0"/>
-                <a:cs typeface="Times New Roman" panose="02020603050405020304" pitchFamily="18" charset="0"/>
-              </a:rPr>
-              <a:t>:</a:t>
-            </a:r>
-            <a:r>
-              <a:rPr lang="ru-RU" sz="1800" dirty="0">
-                <a:latin typeface="Times New Roman" panose="02020603050405020304" pitchFamily="18" charset="0"/>
-                <a:cs typeface="Times New Roman" panose="02020603050405020304" pitchFamily="18" charset="0"/>
-              </a:rPr>
-              <a:t> Травин Валентин Дмитриевич</a:t>
             </a:r>
           </a:p>
         </p:txBody>

--- a/Дипломная работа (Зверев Н.Д.).pptx
+++ b/Дипломная работа (Зверев Н.Д.).pptx
@@ -208,7 +208,7 @@
           <a:p>
             <a:fld id="{778B78F5-6B75-42D1-B039-9496EDD5EB29}" type="datetimeFigureOut">
               <a:rPr lang="ru-RU" smtClean="0"/>
-              <a:t>18.06.2024</a:t>
+              <a:t>16.06.2024</a:t>
             </a:fld>
             <a:endParaRPr lang="ru-RU"/>
           </a:p>
@@ -709,7 +709,7 @@
           <a:p>
             <a:fld id="{DD6FEE7D-2E0A-48F7-A468-4D6A175959D4}" type="datetimeFigureOut">
               <a:rPr lang="ru-RU" smtClean="0"/>
-              <a:t>18.06.2024</a:t>
+              <a:t>16.06.2024</a:t>
             </a:fld>
             <a:endParaRPr lang="ru-RU"/>
           </a:p>
@@ -907,7 +907,7 @@
           <a:p>
             <a:fld id="{DD6FEE7D-2E0A-48F7-A468-4D6A175959D4}" type="datetimeFigureOut">
               <a:rPr lang="ru-RU" smtClean="0"/>
-              <a:t>18.06.2024</a:t>
+              <a:t>16.06.2024</a:t>
             </a:fld>
             <a:endParaRPr lang="ru-RU"/>
           </a:p>
@@ -1115,7 +1115,7 @@
           <a:p>
             <a:fld id="{DD6FEE7D-2E0A-48F7-A468-4D6A175959D4}" type="datetimeFigureOut">
               <a:rPr lang="ru-RU" smtClean="0"/>
-              <a:t>18.06.2024</a:t>
+              <a:t>16.06.2024</a:t>
             </a:fld>
             <a:endParaRPr lang="ru-RU"/>
           </a:p>
@@ -1313,7 +1313,7 @@
           <a:p>
             <a:fld id="{DD6FEE7D-2E0A-48F7-A468-4D6A175959D4}" type="datetimeFigureOut">
               <a:rPr lang="ru-RU" smtClean="0"/>
-              <a:t>18.06.2024</a:t>
+              <a:t>16.06.2024</a:t>
             </a:fld>
             <a:endParaRPr lang="ru-RU"/>
           </a:p>
@@ -1588,7 +1588,7 @@
           <a:p>
             <a:fld id="{DD6FEE7D-2E0A-48F7-A468-4D6A175959D4}" type="datetimeFigureOut">
               <a:rPr lang="ru-RU" smtClean="0"/>
-              <a:t>18.06.2024</a:t>
+              <a:t>16.06.2024</a:t>
             </a:fld>
             <a:endParaRPr lang="ru-RU"/>
           </a:p>
@@ -1853,7 +1853,7 @@
           <a:p>
             <a:fld id="{DD6FEE7D-2E0A-48F7-A468-4D6A175959D4}" type="datetimeFigureOut">
               <a:rPr lang="ru-RU" smtClean="0"/>
-              <a:t>18.06.2024</a:t>
+              <a:t>16.06.2024</a:t>
             </a:fld>
             <a:endParaRPr lang="ru-RU"/>
           </a:p>
@@ -2265,7 +2265,7 @@
           <a:p>
             <a:fld id="{DD6FEE7D-2E0A-48F7-A468-4D6A175959D4}" type="datetimeFigureOut">
               <a:rPr lang="ru-RU" smtClean="0"/>
-              <a:t>18.06.2024</a:t>
+              <a:t>16.06.2024</a:t>
             </a:fld>
             <a:endParaRPr lang="ru-RU"/>
           </a:p>
@@ -2406,7 +2406,7 @@
           <a:p>
             <a:fld id="{DD6FEE7D-2E0A-48F7-A468-4D6A175959D4}" type="datetimeFigureOut">
               <a:rPr lang="ru-RU" smtClean="0"/>
-              <a:t>18.06.2024</a:t>
+              <a:t>16.06.2024</a:t>
             </a:fld>
             <a:endParaRPr lang="ru-RU"/>
           </a:p>
@@ -2519,7 +2519,7 @@
           <a:p>
             <a:fld id="{DD6FEE7D-2E0A-48F7-A468-4D6A175959D4}" type="datetimeFigureOut">
               <a:rPr lang="ru-RU" smtClean="0"/>
-              <a:t>18.06.2024</a:t>
+              <a:t>16.06.2024</a:t>
             </a:fld>
             <a:endParaRPr lang="ru-RU"/>
           </a:p>
@@ -2830,7 +2830,7 @@
           <a:p>
             <a:fld id="{DD6FEE7D-2E0A-48F7-A468-4D6A175959D4}" type="datetimeFigureOut">
               <a:rPr lang="ru-RU" smtClean="0"/>
-              <a:t>18.06.2024</a:t>
+              <a:t>16.06.2024</a:t>
             </a:fld>
             <a:endParaRPr lang="ru-RU"/>
           </a:p>
@@ -3118,7 +3118,7 @@
           <a:p>
             <a:fld id="{DD6FEE7D-2E0A-48F7-A468-4D6A175959D4}" type="datetimeFigureOut">
               <a:rPr lang="ru-RU" smtClean="0"/>
-              <a:t>18.06.2024</a:t>
+              <a:t>16.06.2024</a:t>
             </a:fld>
             <a:endParaRPr lang="ru-RU"/>
           </a:p>
@@ -3359,7 +3359,7 @@
           <a:p>
             <a:fld id="{DD6FEE7D-2E0A-48F7-A468-4D6A175959D4}" type="datetimeFigureOut">
               <a:rPr lang="ru-RU" smtClean="0"/>
-              <a:t>18.06.2024</a:t>
+              <a:t>16.06.2024</a:t>
             </a:fld>
             <a:endParaRPr lang="ru-RU"/>
           </a:p>
@@ -3915,6 +3915,30 @@
                 <a:cs typeface="Times New Roman" panose="02020603050405020304" pitchFamily="18" charset="0"/>
               </a:rPr>
               <a:t>Зверев Никита Денисович</a:t>
+            </a:r>
+          </a:p>
+          <a:p>
+            <a:pPr algn="r"/>
+            <a:r>
+              <a:rPr lang="ru-RU" sz="1800" dirty="0">
+                <a:latin typeface="Times New Roman" panose="02020603050405020304" pitchFamily="18" charset="0"/>
+                <a:cs typeface="Times New Roman" panose="02020603050405020304" pitchFamily="18" charset="0"/>
+              </a:rPr>
+              <a:t>Руководитель</a:t>
+            </a:r>
+            <a:r>
+              <a:rPr lang="en-US" sz="1800" dirty="0">
+                <a:latin typeface="Times New Roman" panose="02020603050405020304" pitchFamily="18" charset="0"/>
+                <a:cs typeface="Times New Roman" panose="02020603050405020304" pitchFamily="18" charset="0"/>
+              </a:rPr>
+              <a:t>:</a:t>
+            </a:r>
+            <a:r>
+              <a:rPr lang="ru-RU" sz="1800" dirty="0">
+                <a:latin typeface="Times New Roman" panose="02020603050405020304" pitchFamily="18" charset="0"/>
+                <a:cs typeface="Times New Roman" panose="02020603050405020304" pitchFamily="18" charset="0"/>
+              </a:rPr>
+              <a:t> Травин Валентин Дмитриевич</a:t>
             </a:r>
           </a:p>
         </p:txBody>
